--- a/5_Documentation/Project Presentation.pptx
+++ b/5_Documentation/Project Presentation.pptx
@@ -10,9 +10,10 @@
     <p:sldId id="257" r:id="rId4"/>
     <p:sldId id="258" r:id="rId5"/>
     <p:sldId id="260" r:id="rId6"/>
-    <p:sldId id="259" r:id="rId7"/>
-    <p:sldId id="261" r:id="rId8"/>
-    <p:sldId id="264" r:id="rId9"/>
+    <p:sldId id="265" r:id="rId7"/>
+    <p:sldId id="259" r:id="rId8"/>
+    <p:sldId id="261" r:id="rId9"/>
+    <p:sldId id="264" r:id="rId10"/>
   </p:sldIdLst>
   <p:sldSz cx="12192000" cy="6858000"/>
   <p:notesSz cx="6858000" cy="9144000"/>
@@ -121,6 +122,53 @@
 
 <file path=ppt/changesInfos/changesInfo1.xml><?xml version="1.0" encoding="utf-8"?>
 <pc:chgInfo xmlns:a="http://schemas.openxmlformats.org/drawingml/2006/main" xmlns:r="http://schemas.openxmlformats.org/officeDocument/2006/relationships" xmlns:ac="http://schemas.microsoft.com/office/drawing/2013/main/command" xmlns:pc="http://schemas.microsoft.com/office/powerpoint/2013/main/command">
+  <pc:docChgLst>
+    <pc:chgData name="Sam Stepter" userId="4af0ac27213fa881" providerId="LiveId" clId="{FA90B9E9-AAF4-4055-A8C1-3E940D838CDA}"/>
+    <pc:docChg chg="addSld modSld">
+      <pc:chgData name="Sam Stepter" userId="4af0ac27213fa881" providerId="LiveId" clId="{FA90B9E9-AAF4-4055-A8C1-3E940D838CDA}" dt="2022-11-28T01:59:18.527" v="142" actId="20577"/>
+      <pc:docMkLst>
+        <pc:docMk/>
+      </pc:docMkLst>
+      <pc:sldChg chg="modSp mod">
+        <pc:chgData name="Sam Stepter" userId="4af0ac27213fa881" providerId="LiveId" clId="{FA90B9E9-AAF4-4055-A8C1-3E940D838CDA}" dt="2022-11-27T21:39:46.882" v="5" actId="20577"/>
+        <pc:sldMkLst>
+          <pc:docMk/>
+          <pc:sldMk cId="97791521" sldId="256"/>
+        </pc:sldMkLst>
+        <pc:spChg chg="mod">
+          <ac:chgData name="Sam Stepter" userId="4af0ac27213fa881" providerId="LiveId" clId="{FA90B9E9-AAF4-4055-A8C1-3E940D838CDA}" dt="2022-11-27T21:39:46.882" v="5" actId="20577"/>
+          <ac:spMkLst>
+            <pc:docMk/>
+            <pc:sldMk cId="97791521" sldId="256"/>
+            <ac:spMk id="2" creationId="{128412F2-0B22-5873-70DE-29B7760DE28A}"/>
+          </ac:spMkLst>
+        </pc:spChg>
+      </pc:sldChg>
+      <pc:sldChg chg="modSp new mod">
+        <pc:chgData name="Sam Stepter" userId="4af0ac27213fa881" providerId="LiveId" clId="{FA90B9E9-AAF4-4055-A8C1-3E940D838CDA}" dt="2022-11-28T01:59:18.527" v="142" actId="20577"/>
+        <pc:sldMkLst>
+          <pc:docMk/>
+          <pc:sldMk cId="607883199" sldId="265"/>
+        </pc:sldMkLst>
+        <pc:spChg chg="mod">
+          <ac:chgData name="Sam Stepter" userId="4af0ac27213fa881" providerId="LiveId" clId="{FA90B9E9-AAF4-4055-A8C1-3E940D838CDA}" dt="2022-11-28T01:58:26.250" v="26" actId="122"/>
+          <ac:spMkLst>
+            <pc:docMk/>
+            <pc:sldMk cId="607883199" sldId="265"/>
+            <ac:spMk id="2" creationId="{EB1FC927-E312-2F43-666C-1957DA5EE782}"/>
+          </ac:spMkLst>
+        </pc:spChg>
+        <pc:spChg chg="mod">
+          <ac:chgData name="Sam Stepter" userId="4af0ac27213fa881" providerId="LiveId" clId="{FA90B9E9-AAF4-4055-A8C1-3E940D838CDA}" dt="2022-11-28T01:59:18.527" v="142" actId="20577"/>
+          <ac:spMkLst>
+            <pc:docMk/>
+            <pc:sldMk cId="607883199" sldId="265"/>
+            <ac:spMk id="3" creationId="{641E890E-88BD-3040-BFA8-813A0EEBD7B1}"/>
+          </ac:spMkLst>
+        </pc:spChg>
+      </pc:sldChg>
+    </pc:docChg>
+  </pc:docChgLst>
   <pc:docChgLst>
     <pc:chgData name="Sam Stepter" userId="4af0ac27213fa881" providerId="LiveId" clId="{86EFB200-E124-4DB0-AAED-5857192223F0}"/>
     <pc:docChg chg="undo custSel addSld delSld modSld">
@@ -6353,7 +6401,7 @@
                   </a:schemeClr>
                 </a:solidFill>
               </a:rPr>
-              <a:t>HOTEL tango Application	</a:t>
+              <a:t>Hotel Tango Application	</a:t>
             </a:r>
           </a:p>
         </p:txBody>
@@ -7843,6 +7891,115 @@
           <p:cNvPr id="2" name="Title 1">
             <a:extLst>
               <a:ext uri="{FF2B5EF4-FFF2-40B4-BE49-F238E27FC236}">
+                <a16:creationId xmlns:a16="http://schemas.microsoft.com/office/drawing/2014/main" id="{EB1FC927-E312-2F43-666C-1957DA5EE782}"/>
+              </a:ext>
+            </a:extLst>
+          </p:cNvPr>
+          <p:cNvSpPr>
+            <a:spLocks noGrp="1"/>
+          </p:cNvSpPr>
+          <p:nvPr>
+            <p:ph type="title"/>
+          </p:nvPr>
+        </p:nvSpPr>
+        <p:spPr/>
+        <p:txBody>
+          <a:bodyPr/>
+          <a:lstStyle/>
+          <a:p>
+            <a:pPr algn="ctr"/>
+            <a:r>
+              <a:rPr lang="en-US" dirty="0"/>
+              <a:t>System Architecture</a:t>
+            </a:r>
+          </a:p>
+        </p:txBody>
+      </p:sp>
+      <p:sp>
+        <p:nvSpPr>
+          <p:cNvPr id="3" name="Content Placeholder 2">
+            <a:extLst>
+              <a:ext uri="{FF2B5EF4-FFF2-40B4-BE49-F238E27FC236}">
+                <a16:creationId xmlns:a16="http://schemas.microsoft.com/office/drawing/2014/main" id="{641E890E-88BD-3040-BFA8-813A0EEBD7B1}"/>
+              </a:ext>
+            </a:extLst>
+          </p:cNvPr>
+          <p:cNvSpPr>
+            <a:spLocks noGrp="1"/>
+          </p:cNvSpPr>
+          <p:nvPr>
+            <p:ph idx="1"/>
+          </p:nvPr>
+        </p:nvSpPr>
+        <p:spPr/>
+        <p:txBody>
+          <a:bodyPr/>
+          <a:lstStyle/>
+          <a:p>
+            <a:pPr>
+              <a:buFont typeface="Arial" panose="020B0604020202020204" pitchFamily="34" charset="0"/>
+              <a:buChar char="•"/>
+            </a:pPr>
+            <a:r>
+              <a:rPr lang="en-US" dirty="0"/>
+              <a:t>The System uses .NET Framework with C#</a:t>
+            </a:r>
+          </a:p>
+          <a:p>
+            <a:pPr>
+              <a:buFont typeface="Arial" panose="020B0604020202020204" pitchFamily="34" charset="0"/>
+              <a:buChar char="•"/>
+            </a:pPr>
+            <a:r>
+              <a:rPr lang="en-US" dirty="0"/>
+              <a:t>The database </a:t>
+            </a:r>
+            <a:r>
+              <a:rPr lang="en-US"/>
+              <a:t>uses the SQL </a:t>
+            </a:r>
+            <a:r>
+              <a:rPr lang="en-US" dirty="0"/>
+              <a:t>Server Database Engine</a:t>
+            </a:r>
+          </a:p>
+        </p:txBody>
+      </p:sp>
+    </p:spTree>
+    <p:extLst>
+      <p:ext uri="{BB962C8B-B14F-4D97-AF65-F5344CB8AC3E}">
+        <p14:creationId xmlns:p14="http://schemas.microsoft.com/office/powerpoint/2010/main" val="607883199"/>
+      </p:ext>
+    </p:extLst>
+  </p:cSld>
+  <p:clrMapOvr>
+    <a:masterClrMapping/>
+  </p:clrMapOvr>
+</p:sld>
+</file>
+
+<file path=ppt/slides/slide7.xml><?xml version="1.0" encoding="utf-8"?>
+<p:sld xmlns:a="http://schemas.openxmlformats.org/drawingml/2006/main" xmlns:r="http://schemas.openxmlformats.org/officeDocument/2006/relationships" xmlns:p="http://schemas.openxmlformats.org/presentationml/2006/main">
+  <p:cSld>
+    <p:spTree>
+      <p:nvGrpSpPr>
+        <p:cNvPr id="1" name=""/>
+        <p:cNvGrpSpPr/>
+        <p:nvPr/>
+      </p:nvGrpSpPr>
+      <p:grpSpPr>
+        <a:xfrm>
+          <a:off x="0" y="0"/>
+          <a:ext cx="0" cy="0"/>
+          <a:chOff x="0" y="0"/>
+          <a:chExt cx="0" cy="0"/>
+        </a:xfrm>
+      </p:grpSpPr>
+      <p:sp>
+        <p:nvSpPr>
+          <p:cNvPr id="2" name="Title 1">
+            <a:extLst>
+              <a:ext uri="{FF2B5EF4-FFF2-40B4-BE49-F238E27FC236}">
                 <a16:creationId xmlns:a16="http://schemas.microsoft.com/office/drawing/2014/main" id="{325048CD-323D-7554-1FC3-2881858ABB0F}"/>
               </a:ext>
             </a:extLst>
@@ -7961,7 +8118,7 @@
 </p:sld>
 </file>
 
-<file path=ppt/slides/slide7.xml><?xml version="1.0" encoding="utf-8"?>
+<file path=ppt/slides/slide8.xml><?xml version="1.0" encoding="utf-8"?>
 <p:sld xmlns:a="http://schemas.openxmlformats.org/drawingml/2006/main" xmlns:r="http://schemas.openxmlformats.org/officeDocument/2006/relationships" xmlns:p="http://schemas.openxmlformats.org/presentationml/2006/main">
   <p:cSld>
     <p:spTree>
@@ -8110,7 +8267,7 @@
 </p:sld>
 </file>
 
-<file path=ppt/slides/slide8.xml><?xml version="1.0" encoding="utf-8"?>
+<file path=ppt/slides/slide9.xml><?xml version="1.0" encoding="utf-8"?>
 <p:sld xmlns:a="http://schemas.openxmlformats.org/drawingml/2006/main" xmlns:r="http://schemas.openxmlformats.org/officeDocument/2006/relationships" xmlns:p="http://schemas.openxmlformats.org/presentationml/2006/main">
   <p:cSld>
     <p:spTree>

--- a/5_Documentation/Project Presentation.pptx
+++ b/5_Documentation/Project Presentation.pptx
@@ -7,10 +7,10 @@
   <p:sldIdLst>
     <p:sldId id="256" r:id="rId2"/>
     <p:sldId id="262" r:id="rId3"/>
-    <p:sldId id="257" r:id="rId4"/>
-    <p:sldId id="258" r:id="rId5"/>
-    <p:sldId id="260" r:id="rId6"/>
-    <p:sldId id="265" r:id="rId7"/>
+    <p:sldId id="265" r:id="rId4"/>
+    <p:sldId id="257" r:id="rId5"/>
+    <p:sldId id="258" r:id="rId6"/>
+    <p:sldId id="260" r:id="rId7"/>
     <p:sldId id="259" r:id="rId8"/>
     <p:sldId id="261" r:id="rId9"/>
     <p:sldId id="264" r:id="rId10"/>
@@ -124,8 +124,8 @@
 <pc:chgInfo xmlns:a="http://schemas.openxmlformats.org/drawingml/2006/main" xmlns:r="http://schemas.openxmlformats.org/officeDocument/2006/relationships" xmlns:ac="http://schemas.microsoft.com/office/drawing/2013/main/command" xmlns:pc="http://schemas.microsoft.com/office/powerpoint/2013/main/command">
   <pc:docChgLst>
     <pc:chgData name="Sam Stepter" userId="4af0ac27213fa881" providerId="LiveId" clId="{FA90B9E9-AAF4-4055-A8C1-3E940D838CDA}"/>
-    <pc:docChg chg="addSld modSld">
-      <pc:chgData name="Sam Stepter" userId="4af0ac27213fa881" providerId="LiveId" clId="{FA90B9E9-AAF4-4055-A8C1-3E940D838CDA}" dt="2022-11-28T01:59:18.527" v="142" actId="20577"/>
+    <pc:docChg chg="addSld modSld sldOrd">
+      <pc:chgData name="Sam Stepter" userId="4af0ac27213fa881" providerId="LiveId" clId="{FA90B9E9-AAF4-4055-A8C1-3E940D838CDA}" dt="2022-11-28T02:22:44.191" v="144"/>
       <pc:docMkLst>
         <pc:docMk/>
       </pc:docMkLst>
@@ -144,8 +144,8 @@
           </ac:spMkLst>
         </pc:spChg>
       </pc:sldChg>
-      <pc:sldChg chg="modSp new mod">
-        <pc:chgData name="Sam Stepter" userId="4af0ac27213fa881" providerId="LiveId" clId="{FA90B9E9-AAF4-4055-A8C1-3E940D838CDA}" dt="2022-11-28T01:59:18.527" v="142" actId="20577"/>
+      <pc:sldChg chg="modSp new mod ord">
+        <pc:chgData name="Sam Stepter" userId="4af0ac27213fa881" providerId="LiveId" clId="{FA90B9E9-AAF4-4055-A8C1-3E940D838CDA}" dt="2022-11-28T02:22:44.191" v="144"/>
         <pc:sldMkLst>
           <pc:docMk/>
           <pc:sldMk cId="607883199" sldId="265"/>
@@ -7506,6 +7506,115 @@
           <p:cNvPr id="2" name="Title 1">
             <a:extLst>
               <a:ext uri="{FF2B5EF4-FFF2-40B4-BE49-F238E27FC236}">
+                <a16:creationId xmlns:a16="http://schemas.microsoft.com/office/drawing/2014/main" id="{EB1FC927-E312-2F43-666C-1957DA5EE782}"/>
+              </a:ext>
+            </a:extLst>
+          </p:cNvPr>
+          <p:cNvSpPr>
+            <a:spLocks noGrp="1"/>
+          </p:cNvSpPr>
+          <p:nvPr>
+            <p:ph type="title"/>
+          </p:nvPr>
+        </p:nvSpPr>
+        <p:spPr/>
+        <p:txBody>
+          <a:bodyPr/>
+          <a:lstStyle/>
+          <a:p>
+            <a:pPr algn="ctr"/>
+            <a:r>
+              <a:rPr lang="en-US" dirty="0"/>
+              <a:t>System Architecture</a:t>
+            </a:r>
+          </a:p>
+        </p:txBody>
+      </p:sp>
+      <p:sp>
+        <p:nvSpPr>
+          <p:cNvPr id="3" name="Content Placeholder 2">
+            <a:extLst>
+              <a:ext uri="{FF2B5EF4-FFF2-40B4-BE49-F238E27FC236}">
+                <a16:creationId xmlns:a16="http://schemas.microsoft.com/office/drawing/2014/main" id="{641E890E-88BD-3040-BFA8-813A0EEBD7B1}"/>
+              </a:ext>
+            </a:extLst>
+          </p:cNvPr>
+          <p:cNvSpPr>
+            <a:spLocks noGrp="1"/>
+          </p:cNvSpPr>
+          <p:nvPr>
+            <p:ph idx="1"/>
+          </p:nvPr>
+        </p:nvSpPr>
+        <p:spPr/>
+        <p:txBody>
+          <a:bodyPr/>
+          <a:lstStyle/>
+          <a:p>
+            <a:pPr>
+              <a:buFont typeface="Arial" panose="020B0604020202020204" pitchFamily="34" charset="0"/>
+              <a:buChar char="•"/>
+            </a:pPr>
+            <a:r>
+              <a:rPr lang="en-US" dirty="0"/>
+              <a:t>The System uses .NET Framework with C#</a:t>
+            </a:r>
+          </a:p>
+          <a:p>
+            <a:pPr>
+              <a:buFont typeface="Arial" panose="020B0604020202020204" pitchFamily="34" charset="0"/>
+              <a:buChar char="•"/>
+            </a:pPr>
+            <a:r>
+              <a:rPr lang="en-US" dirty="0"/>
+              <a:t>The database </a:t>
+            </a:r>
+            <a:r>
+              <a:rPr lang="en-US"/>
+              <a:t>uses the SQL </a:t>
+            </a:r>
+            <a:r>
+              <a:rPr lang="en-US" dirty="0"/>
+              <a:t>Server Database Engine</a:t>
+            </a:r>
+          </a:p>
+        </p:txBody>
+      </p:sp>
+    </p:spTree>
+    <p:extLst>
+      <p:ext uri="{BB962C8B-B14F-4D97-AF65-F5344CB8AC3E}">
+        <p14:creationId xmlns:p14="http://schemas.microsoft.com/office/powerpoint/2010/main" val="607883199"/>
+      </p:ext>
+    </p:extLst>
+  </p:cSld>
+  <p:clrMapOvr>
+    <a:masterClrMapping/>
+  </p:clrMapOvr>
+</p:sld>
+</file>
+
+<file path=ppt/slides/slide4.xml><?xml version="1.0" encoding="utf-8"?>
+<p:sld xmlns:a="http://schemas.openxmlformats.org/drawingml/2006/main" xmlns:r="http://schemas.openxmlformats.org/officeDocument/2006/relationships" xmlns:p="http://schemas.openxmlformats.org/presentationml/2006/main">
+  <p:cSld>
+    <p:spTree>
+      <p:nvGrpSpPr>
+        <p:cNvPr id="1" name=""/>
+        <p:cNvGrpSpPr/>
+        <p:nvPr/>
+      </p:nvGrpSpPr>
+      <p:grpSpPr>
+        <a:xfrm>
+          <a:off x="0" y="0"/>
+          <a:ext cx="0" cy="0"/>
+          <a:chOff x="0" y="0"/>
+          <a:chExt cx="0" cy="0"/>
+        </a:xfrm>
+      </p:grpSpPr>
+      <p:sp>
+        <p:nvSpPr>
+          <p:cNvPr id="2" name="Title 1">
+            <a:extLst>
+              <a:ext uri="{FF2B5EF4-FFF2-40B4-BE49-F238E27FC236}">
                 <a16:creationId xmlns:a16="http://schemas.microsoft.com/office/drawing/2014/main" id="{3396EF12-B377-972E-0F7B-D690821BA00A}"/>
               </a:ext>
             </a:extLst>
@@ -7617,7 +7726,7 @@
 </p:sld>
 </file>
 
-<file path=ppt/slides/slide4.xml><?xml version="1.0" encoding="utf-8"?>
+<file path=ppt/slides/slide5.xml><?xml version="1.0" encoding="utf-8"?>
 <p:sld xmlns:a="http://schemas.openxmlformats.org/drawingml/2006/main" xmlns:r="http://schemas.openxmlformats.org/officeDocument/2006/relationships" xmlns:p="http://schemas.openxmlformats.org/presentationml/2006/main">
   <p:cSld>
     <p:spTree>
@@ -7733,7 +7842,7 @@
 </p:sld>
 </file>
 
-<file path=ppt/slides/slide5.xml><?xml version="1.0" encoding="utf-8"?>
+<file path=ppt/slides/slide6.xml><?xml version="1.0" encoding="utf-8"?>
 <p:sld xmlns:a="http://schemas.openxmlformats.org/drawingml/2006/main" xmlns:r="http://schemas.openxmlformats.org/officeDocument/2006/relationships" xmlns:p="http://schemas.openxmlformats.org/presentationml/2006/main">
   <p:cSld>
     <p:spTree>
@@ -7860,115 +7969,6 @@
     <p:extLst>
       <p:ext uri="{BB962C8B-B14F-4D97-AF65-F5344CB8AC3E}">
         <p14:creationId xmlns:p14="http://schemas.microsoft.com/office/powerpoint/2010/main" val="3044349002"/>
-      </p:ext>
-    </p:extLst>
-  </p:cSld>
-  <p:clrMapOvr>
-    <a:masterClrMapping/>
-  </p:clrMapOvr>
-</p:sld>
-</file>
-
-<file path=ppt/slides/slide6.xml><?xml version="1.0" encoding="utf-8"?>
-<p:sld xmlns:a="http://schemas.openxmlformats.org/drawingml/2006/main" xmlns:r="http://schemas.openxmlformats.org/officeDocument/2006/relationships" xmlns:p="http://schemas.openxmlformats.org/presentationml/2006/main">
-  <p:cSld>
-    <p:spTree>
-      <p:nvGrpSpPr>
-        <p:cNvPr id="1" name=""/>
-        <p:cNvGrpSpPr/>
-        <p:nvPr/>
-      </p:nvGrpSpPr>
-      <p:grpSpPr>
-        <a:xfrm>
-          <a:off x="0" y="0"/>
-          <a:ext cx="0" cy="0"/>
-          <a:chOff x="0" y="0"/>
-          <a:chExt cx="0" cy="0"/>
-        </a:xfrm>
-      </p:grpSpPr>
-      <p:sp>
-        <p:nvSpPr>
-          <p:cNvPr id="2" name="Title 1">
-            <a:extLst>
-              <a:ext uri="{FF2B5EF4-FFF2-40B4-BE49-F238E27FC236}">
-                <a16:creationId xmlns:a16="http://schemas.microsoft.com/office/drawing/2014/main" id="{EB1FC927-E312-2F43-666C-1957DA5EE782}"/>
-              </a:ext>
-            </a:extLst>
-          </p:cNvPr>
-          <p:cNvSpPr>
-            <a:spLocks noGrp="1"/>
-          </p:cNvSpPr>
-          <p:nvPr>
-            <p:ph type="title"/>
-          </p:nvPr>
-        </p:nvSpPr>
-        <p:spPr/>
-        <p:txBody>
-          <a:bodyPr/>
-          <a:lstStyle/>
-          <a:p>
-            <a:pPr algn="ctr"/>
-            <a:r>
-              <a:rPr lang="en-US" dirty="0"/>
-              <a:t>System Architecture</a:t>
-            </a:r>
-          </a:p>
-        </p:txBody>
-      </p:sp>
-      <p:sp>
-        <p:nvSpPr>
-          <p:cNvPr id="3" name="Content Placeholder 2">
-            <a:extLst>
-              <a:ext uri="{FF2B5EF4-FFF2-40B4-BE49-F238E27FC236}">
-                <a16:creationId xmlns:a16="http://schemas.microsoft.com/office/drawing/2014/main" id="{641E890E-88BD-3040-BFA8-813A0EEBD7B1}"/>
-              </a:ext>
-            </a:extLst>
-          </p:cNvPr>
-          <p:cNvSpPr>
-            <a:spLocks noGrp="1"/>
-          </p:cNvSpPr>
-          <p:nvPr>
-            <p:ph idx="1"/>
-          </p:nvPr>
-        </p:nvSpPr>
-        <p:spPr/>
-        <p:txBody>
-          <a:bodyPr/>
-          <a:lstStyle/>
-          <a:p>
-            <a:pPr>
-              <a:buFont typeface="Arial" panose="020B0604020202020204" pitchFamily="34" charset="0"/>
-              <a:buChar char="•"/>
-            </a:pPr>
-            <a:r>
-              <a:rPr lang="en-US" dirty="0"/>
-              <a:t>The System uses .NET Framework with C#</a:t>
-            </a:r>
-          </a:p>
-          <a:p>
-            <a:pPr>
-              <a:buFont typeface="Arial" panose="020B0604020202020204" pitchFamily="34" charset="0"/>
-              <a:buChar char="•"/>
-            </a:pPr>
-            <a:r>
-              <a:rPr lang="en-US" dirty="0"/>
-              <a:t>The database </a:t>
-            </a:r>
-            <a:r>
-              <a:rPr lang="en-US"/>
-              <a:t>uses the SQL </a:t>
-            </a:r>
-            <a:r>
-              <a:rPr lang="en-US" dirty="0"/>
-              <a:t>Server Database Engine</a:t>
-            </a:r>
-          </a:p>
-        </p:txBody>
-      </p:sp>
-    </p:spTree>
-    <p:extLst>
-      <p:ext uri="{BB962C8B-B14F-4D97-AF65-F5344CB8AC3E}">
-        <p14:creationId xmlns:p14="http://schemas.microsoft.com/office/powerpoint/2010/main" val="607883199"/>
       </p:ext>
     </p:extLst>
   </p:cSld>
